--- a/slides/08_Integrating_Data_Sources.pptx
+++ b/slides/08_Integrating_Data_Sources.pptx
@@ -231,7 +231,7 @@
           <a:p>
             <a:fld id="{83DEBBD1-6077-4938-811F-54E4AC433829}" type="datetimeFigureOut">
               <a:rPr lang="en-GB" smtClean="0"/>
-              <a:t>27/09/2021</a:t>
+              <a:t>04/04/2022</a:t>
             </a:fld>
             <a:endParaRPr lang="en-GB"/>
           </a:p>
@@ -3816,7 +3816,7 @@
           <a:p>
             <a:fld id="{128B0A6C-EF38-9441-ADBF-8FE45FA6C46E}" type="datetimeFigureOut">
               <a:rPr lang="en-US" smtClean="0"/>
-              <a:t>9/27/2021</a:t>
+              <a:t>4/4/2022</a:t>
             </a:fld>
             <a:endParaRPr lang="en-US"/>
           </a:p>
@@ -5491,14 +5491,22 @@
             <a:endParaRPr lang="en-GB" dirty="0"/>
           </a:p>
           <a:p>
+            <a:r>
+              <a:rPr lang="en-GB" dirty="0"/>
+              <a:t>You can customize persistence properties if you need to:</a:t>
+            </a:r>
+          </a:p>
+          <a:p>
             <a:pPr lvl="1"/>
             <a:endParaRPr lang="en-GB" dirty="0"/>
           </a:p>
           <a:p>
-            <a:r>
-              <a:rPr lang="en-GB" dirty="0"/>
-              <a:t>You can customize persistence properties if you need to:</a:t>
-            </a:r>
+            <a:pPr lvl="1"/>
+            <a:endParaRPr lang="en-GB" dirty="0"/>
+          </a:p>
+          <a:p>
+            <a:pPr lvl="1"/>
+            <a:endParaRPr lang="en-GB" dirty="0"/>
           </a:p>
         </p:txBody>
       </p:sp>
@@ -5642,8 +5650,8 @@
         </p:nvSpPr>
         <p:spPr bwMode="auto">
           <a:xfrm>
-            <a:off x="1232002" y="3439028"/>
-            <a:ext cx="7227785" cy="708528"/>
+            <a:off x="1232002" y="3069709"/>
+            <a:ext cx="7227785" cy="1477970"/>
           </a:xfrm>
           <a:prstGeom prst="rect">
             <a:avLst/>
@@ -5673,18 +5681,11 @@
               <a:defRPr/>
             </a:pPr>
             <a:r>
-              <a:rPr lang="en-US" sz="1000" dirty="0" err="1">
-                <a:latin typeface="Courier New" panose="02070309020205020404" pitchFamily="49" charset="0"/>
-                <a:cs typeface="Courier New" panose="02070309020205020404" pitchFamily="49" charset="0"/>
-              </a:rPr>
-              <a:t>spring.jpa.hibernate.ddl</a:t>
-            </a:r>
-            <a:r>
               <a:rPr lang="en-US" sz="1000" dirty="0">
                 <a:latin typeface="Courier New" panose="02070309020205020404" pitchFamily="49" charset="0"/>
                 <a:cs typeface="Courier New" panose="02070309020205020404" pitchFamily="49" charset="0"/>
               </a:rPr>
-              <a:t>-auto=create-drop</a:t>
+              <a:t>// Show SQL statements, nicely formatted.</a:t>
             </a:r>
           </a:p>
           <a:p>
@@ -5692,18 +5693,11 @@
               <a:defRPr/>
             </a:pPr>
             <a:r>
-              <a:rPr lang="en-US" sz="1000" dirty="0" err="1">
-                <a:latin typeface="Courier New" panose="02070309020205020404" pitchFamily="49" charset="0"/>
-                <a:cs typeface="Courier New" panose="02070309020205020404" pitchFamily="49" charset="0"/>
-              </a:rPr>
-              <a:t>spring.jpa.properties.hibernate.show_sql</a:t>
-            </a:r>
-            <a:r>
               <a:rPr lang="en-US" sz="1000" dirty="0">
                 <a:latin typeface="Courier New" panose="02070309020205020404" pitchFamily="49" charset="0"/>
                 <a:cs typeface="Courier New" panose="02070309020205020404" pitchFamily="49" charset="0"/>
               </a:rPr>
-              <a:t>=true</a:t>
+              <a:t>spring.jpa.hibernate.ddl-auto=create-drop</a:t>
             </a:r>
           </a:p>
           <a:p>
@@ -5715,7 +5709,7 @@
                 <a:latin typeface="Courier New" panose="02070309020205020404" pitchFamily="49" charset="0"/>
                 <a:cs typeface="Courier New" panose="02070309020205020404" pitchFamily="49" charset="0"/>
               </a:rPr>
-              <a:t>spring.jpa.properties.hibernate.use_sql_comments</a:t>
+              <a:t>spring.jpa.properties.hibernate.show_sql</a:t>
             </a:r>
             <a:r>
               <a:rPr lang="en-US" sz="1000" dirty="0">
@@ -5734,6 +5728,25 @@
                 <a:latin typeface="Courier New" panose="02070309020205020404" pitchFamily="49" charset="0"/>
                 <a:cs typeface="Courier New" panose="02070309020205020404" pitchFamily="49" charset="0"/>
               </a:rPr>
+              <a:t>spring.jpa.properties.hibernate.use_sql_comments</a:t>
+            </a:r>
+            <a:r>
+              <a:rPr lang="en-US" sz="1000" dirty="0">
+                <a:latin typeface="Courier New" panose="02070309020205020404" pitchFamily="49" charset="0"/>
+                <a:cs typeface="Courier New" panose="02070309020205020404" pitchFamily="49" charset="0"/>
+              </a:rPr>
+              <a:t>=true</a:t>
+            </a:r>
+          </a:p>
+          <a:p>
+            <a:pPr defTabSz="739775">
+              <a:defRPr/>
+            </a:pPr>
+            <a:r>
+              <a:rPr lang="en-US" sz="1000" dirty="0" err="1">
+                <a:latin typeface="Courier New" panose="02070309020205020404" pitchFamily="49" charset="0"/>
+                <a:cs typeface="Courier New" panose="02070309020205020404" pitchFamily="49" charset="0"/>
+              </a:rPr>
               <a:t>spring.jpa.properties.hibernate.format_sql</a:t>
             </a:r>
             <a:r>
@@ -5744,14 +5757,80 @@
               <a:t>=true</a:t>
             </a:r>
           </a:p>
+          <a:p>
+            <a:pPr defTabSz="739775">
+              <a:defRPr/>
+            </a:pPr>
+            <a:endParaRPr lang="en-US" sz="1000" dirty="0">
+              <a:latin typeface="Courier New" panose="02070309020205020404" pitchFamily="49" charset="0"/>
+              <a:cs typeface="Courier New" panose="02070309020205020404" pitchFamily="49" charset="0"/>
+            </a:endParaRPr>
+          </a:p>
+          <a:p>
+            <a:pPr defTabSz="739775">
+              <a:defRPr/>
+            </a:pPr>
+            <a:r>
+              <a:rPr lang="en-US" sz="1000" dirty="0">
+                <a:latin typeface="Courier New" panose="02070309020205020404" pitchFamily="49" charset="0"/>
+                <a:cs typeface="Courier New" panose="02070309020205020404" pitchFamily="49" charset="0"/>
+              </a:rPr>
+              <a:t>// Optionally, </a:t>
+            </a:r>
+            <a:r>
+              <a:rPr lang="en-GB" sz="1000" dirty="0">
+                <a:latin typeface="Courier New" panose="02070309020205020404" pitchFamily="49" charset="0"/>
+                <a:cs typeface="Courier New" panose="02070309020205020404" pitchFamily="49" charset="0"/>
+              </a:rPr>
+              <a:t>you can also ask JPA to output the value for SQL parameters.</a:t>
+            </a:r>
+          </a:p>
+          <a:p>
+            <a:pPr defTabSz="739775">
+              <a:defRPr/>
+            </a:pPr>
+            <a:r>
+              <a:rPr lang="en-US" sz="1000" dirty="0" err="1">
+                <a:latin typeface="Courier New" panose="02070309020205020404" pitchFamily="49" charset="0"/>
+                <a:cs typeface="Courier New" panose="02070309020205020404" pitchFamily="49" charset="0"/>
+              </a:rPr>
+              <a:t>logging.level.org.hibernate.SQL</a:t>
+            </a:r>
+            <a:r>
+              <a:rPr lang="en-US" sz="1000" dirty="0">
+                <a:latin typeface="Courier New" panose="02070309020205020404" pitchFamily="49" charset="0"/>
+                <a:cs typeface="Courier New" panose="02070309020205020404" pitchFamily="49" charset="0"/>
+              </a:rPr>
+              <a:t>=debug</a:t>
+            </a:r>
+          </a:p>
+          <a:p>
+            <a:pPr defTabSz="739775">
+              <a:defRPr/>
+            </a:pPr>
+            <a:r>
+              <a:rPr lang="en-US" sz="1000" dirty="0" err="1">
+                <a:latin typeface="Courier New" panose="02070309020205020404" pitchFamily="49" charset="0"/>
+                <a:cs typeface="Courier New" panose="02070309020205020404" pitchFamily="49" charset="0"/>
+              </a:rPr>
+              <a:t>logging.level.org.hibernate.type.descriptor.sql</a:t>
+            </a:r>
+            <a:r>
+              <a:rPr lang="en-US" sz="1000" dirty="0">
+                <a:latin typeface="Courier New" panose="02070309020205020404" pitchFamily="49" charset="0"/>
+                <a:cs typeface="Courier New" panose="02070309020205020404" pitchFamily="49" charset="0"/>
+              </a:rPr>
+              <a:t>=trace</a:t>
+            </a:r>
+          </a:p>
         </p:txBody>
       </p:sp>
       <p:sp>
         <p:nvSpPr>
-          <p:cNvPr id="6" name="TextBox 5">
+          <p:cNvPr id="7" name="TextBox 6">
             <a:extLst>
               <a:ext uri="{FF2B5EF4-FFF2-40B4-BE49-F238E27FC236}">
-                <a16:creationId xmlns:a16="http://schemas.microsoft.com/office/drawing/2014/main" id="{D29987B2-A20B-45E9-BCA8-7535D23C10E5}"/>
+                <a16:creationId xmlns:a16="http://schemas.microsoft.com/office/drawing/2014/main" id="{168396E2-4435-4D92-93B8-6D3B54768C87}"/>
               </a:ext>
             </a:extLst>
           </p:cNvPr>
@@ -5760,7 +5839,7 @@
         </p:nvSpPr>
         <p:spPr>
           <a:xfrm>
-            <a:off x="6747440" y="4226805"/>
+            <a:off x="6624279" y="2043828"/>
             <a:ext cx="1877437" cy="246221"/>
           </a:xfrm>
           <a:prstGeom prst="rect">
@@ -5797,10 +5876,10 @@
       </p:sp>
       <p:sp>
         <p:nvSpPr>
-          <p:cNvPr id="7" name="TextBox 6">
+          <p:cNvPr id="9" name="TextBox 8">
             <a:extLst>
               <a:ext uri="{FF2B5EF4-FFF2-40B4-BE49-F238E27FC236}">
-                <a16:creationId xmlns:a16="http://schemas.microsoft.com/office/drawing/2014/main" id="{168396E2-4435-4D92-93B8-6D3B54768C87}"/>
+                <a16:creationId xmlns:a16="http://schemas.microsoft.com/office/drawing/2014/main" id="{A55AC275-7110-49E2-9EE3-7A3A7FE3BECD}"/>
               </a:ext>
             </a:extLst>
           </p:cNvPr>
@@ -5809,7 +5888,7 @@
         </p:nvSpPr>
         <p:spPr>
           <a:xfrm>
-            <a:off x="6747440" y="2349868"/>
+            <a:off x="6624279" y="4293807"/>
             <a:ext cx="1877437" cy="246221"/>
           </a:xfrm>
           <a:prstGeom prst="rect">
@@ -5962,9 +6041,36 @@
                                         <p:tgtEl>
                                           <p:spTgt spid="4099">
                                             <p:txEl>
-                                              <p:pRg st="5" end="5"/>
+                                              <p:pRg st="4" end="4"/>
                                             </p:txEl>
                                           </p:spTgt>
+                                        </p:tgtEl>
+                                        <p:attrNameLst>
+                                          <p:attrName>style.visibility</p:attrName>
+                                        </p:attrNameLst>
+                                      </p:cBhvr>
+                                      <p:to>
+                                        <p:strVal val="visible"/>
+                                      </p:to>
+                                    </p:set>
+                                  </p:childTnLst>
+                                </p:cTn>
+                              </p:par>
+                              <p:par>
+                                <p:cTn id="13" presetID="1" presetClass="entr" presetSubtype="0" fill="hold" grpId="0" nodeType="withEffect">
+                                  <p:stCondLst>
+                                    <p:cond delay="0"/>
+                                  </p:stCondLst>
+                                  <p:childTnLst>
+                                    <p:set>
+                                      <p:cBhvr>
+                                        <p:cTn id="14" dur="1" fill="hold">
+                                          <p:stCondLst>
+                                            <p:cond delay="0"/>
+                                          </p:stCondLst>
+                                        </p:cTn>
+                                        <p:tgtEl>
+                                          <p:spTgt spid="5"/>
                                         </p:tgtEl>
                                         <p:attrNameLst>
                                           <p:attrName>style.visibility</p:attrName>
@@ -5984,46 +6090,19 @@
                     </p:cTn>
                   </p:par>
                   <p:par>
-                    <p:cTn id="13" fill="hold">
+                    <p:cTn id="15" fill="hold">
                       <p:stCondLst>
                         <p:cond delay="indefinite"/>
                       </p:stCondLst>
                       <p:childTnLst>
                         <p:par>
-                          <p:cTn id="14" fill="hold">
+                          <p:cTn id="16" fill="hold">
                             <p:stCondLst>
                               <p:cond delay="0"/>
                             </p:stCondLst>
                             <p:childTnLst>
                               <p:par>
-                                <p:cTn id="15" presetID="1" presetClass="entr" presetSubtype="0" fill="hold" grpId="0" nodeType="clickEffect">
-                                  <p:stCondLst>
-                                    <p:cond delay="0"/>
-                                  </p:stCondLst>
-                                  <p:childTnLst>
-                                    <p:set>
-                                      <p:cBhvr>
-                                        <p:cTn id="16" dur="1" fill="hold">
-                                          <p:stCondLst>
-                                            <p:cond delay="0"/>
-                                          </p:stCondLst>
-                                        </p:cTn>
-                                        <p:tgtEl>
-                                          <p:spTgt spid="6"/>
-                                        </p:tgtEl>
-                                        <p:attrNameLst>
-                                          <p:attrName>style.visibility</p:attrName>
-                                        </p:attrNameLst>
-                                      </p:cBhvr>
-                                      <p:to>
-                                        <p:strVal val="visible"/>
-                                      </p:to>
-                                    </p:set>
-                                  </p:childTnLst>
-                                </p:cTn>
-                              </p:par>
-                              <p:par>
-                                <p:cTn id="17" presetID="1" presetClass="entr" presetSubtype="0" fill="hold" grpId="0" nodeType="withEffect">
+                                <p:cTn id="17" presetID="1" presetClass="entr" presetSubtype="0" fill="hold" grpId="0" nodeType="clickEffect">
                                   <p:stCondLst>
                                     <p:cond delay="0"/>
                                   </p:stCondLst>
@@ -6036,7 +6115,7 @@
                                           </p:stCondLst>
                                         </p:cTn>
                                         <p:tgtEl>
-                                          <p:spTgt spid="5"/>
+                                          <p:spTgt spid="9"/>
                                         </p:tgtEl>
                                         <p:attrNameLst>
                                           <p:attrName>style.visibility</p:attrName>
@@ -6079,8 +6158,8 @@
     <p:bldLst>
       <p:bldP spid="4" grpId="0" animBg="1"/>
       <p:bldP spid="5" grpId="0" animBg="1"/>
-      <p:bldP spid="6" grpId="0"/>
       <p:bldP spid="7" grpId="0"/>
+      <p:bldP spid="9" grpId="0"/>
     </p:bldLst>
   </p:timing>
 </p:sld>
